--- a/ppt 16-9/0612.奇妙之神.pptx
+++ b/ppt 16-9/0612.奇妙之神.pptx
@@ -5,7 +5,7 @@
     <p:sldMasterId id="2147483648" r:id="rId1"/>
   </p:sldMasterIdLst>
   <p:sldIdLst>
-    <p:sldId id="2400" r:id="rId2"/>
+    <p:sldId id="2402" r:id="rId2"/>
   </p:sldIdLst>
   <p:sldSz cx="12192000" cy="6858000"/>
   <p:notesSz cx="6858000" cy="9144000"/>
@@ -129,7 +129,7 @@
           <p:cNvPr id="2" name="标题 1">
             <a:extLst>
               <a:ext uri="{FF2B5EF4-FFF2-40B4-BE49-F238E27FC236}">
-                <a16:creationId xmlns:a16="http://schemas.microsoft.com/office/drawing/2014/main" id="{B6DEF654-58F1-B547-DE9F-6596F5C1892D}"/>
+                <a16:creationId xmlns:a16="http://schemas.microsoft.com/office/drawing/2014/main" id="{C3C0AFFF-1B05-8915-214B-650CE7B14AE7}"/>
               </a:ext>
             </a:extLst>
           </p:cNvPr>
@@ -166,7 +166,7 @@
           <p:cNvPr id="3" name="副标题 2">
             <a:extLst>
               <a:ext uri="{FF2B5EF4-FFF2-40B4-BE49-F238E27FC236}">
-                <a16:creationId xmlns:a16="http://schemas.microsoft.com/office/drawing/2014/main" id="{7476D058-CBFB-D854-2F01-48ADE4F0FF6E}"/>
+                <a16:creationId xmlns:a16="http://schemas.microsoft.com/office/drawing/2014/main" id="{2905A95B-F5D3-FFF2-C8A2-E331FD7E8E37}"/>
               </a:ext>
             </a:extLst>
           </p:cNvPr>
@@ -236,7 +236,7 @@
           <p:cNvPr id="4" name="日期占位符 3">
             <a:extLst>
               <a:ext uri="{FF2B5EF4-FFF2-40B4-BE49-F238E27FC236}">
-                <a16:creationId xmlns:a16="http://schemas.microsoft.com/office/drawing/2014/main" id="{DDED0F7F-D946-CC5A-29FC-FF74E9EB85E1}"/>
+                <a16:creationId xmlns:a16="http://schemas.microsoft.com/office/drawing/2014/main" id="{887B8AB4-0A04-6B34-2BF5-A57AA0B589A0}"/>
               </a:ext>
             </a:extLst>
           </p:cNvPr>
@@ -252,7 +252,7 @@
           <a:bodyPr/>
           <a:lstStyle/>
           <a:p>
-            <a:fld id="{51FB285F-E31E-4627-870A-A18FCAFBDFE8}" type="datetimeFigureOut">
+            <a:fld id="{16129ED3-6994-4D15-B890-D4409A7672D2}" type="datetimeFigureOut">
               <a:rPr lang="zh-CN" altLang="en-US" smtClean="0"/>
               <a:t>2024/3/10</a:t>
             </a:fld>
@@ -265,7 +265,7 @@
           <p:cNvPr id="5" name="页脚占位符 4">
             <a:extLst>
               <a:ext uri="{FF2B5EF4-FFF2-40B4-BE49-F238E27FC236}">
-                <a16:creationId xmlns:a16="http://schemas.microsoft.com/office/drawing/2014/main" id="{204EB9FC-4050-24B5-9C4A-3B37ABB4D70E}"/>
+                <a16:creationId xmlns:a16="http://schemas.microsoft.com/office/drawing/2014/main" id="{A5C1B8B1-A99A-1995-37C7-7B488B9847CB}"/>
               </a:ext>
             </a:extLst>
           </p:cNvPr>
@@ -290,7 +290,7 @@
           <p:cNvPr id="6" name="灯片编号占位符 5">
             <a:extLst>
               <a:ext uri="{FF2B5EF4-FFF2-40B4-BE49-F238E27FC236}">
-                <a16:creationId xmlns:a16="http://schemas.microsoft.com/office/drawing/2014/main" id="{FE369CEA-8C70-5A3C-310E-DFC19F4AD4C4}"/>
+                <a16:creationId xmlns:a16="http://schemas.microsoft.com/office/drawing/2014/main" id="{5B43D946-DF5E-8ED3-B857-D5DA0A43CD4A}"/>
               </a:ext>
             </a:extLst>
           </p:cNvPr>
@@ -306,7 +306,7 @@
           <a:bodyPr/>
           <a:lstStyle/>
           <a:p>
-            <a:fld id="{FE4276D2-4A52-4AA0-B049-C3D7345FF3A0}" type="slidenum">
+            <a:fld id="{C1DB5994-292B-4E1F-B1F9-61AF88E08CE6}" type="slidenum">
               <a:rPr lang="zh-CN" altLang="en-US" smtClean="0"/>
               <a:t>‹#›</a:t>
             </a:fld>
@@ -317,7 +317,7 @@
     </p:spTree>
     <p:extLst>
       <p:ext uri="{BB962C8B-B14F-4D97-AF65-F5344CB8AC3E}">
-        <p14:creationId xmlns:p14="http://schemas.microsoft.com/office/powerpoint/2010/main" val="568446169"/>
+        <p14:creationId xmlns:p14="http://schemas.microsoft.com/office/powerpoint/2010/main" val="3489077132"/>
       </p:ext>
     </p:extLst>
   </p:cSld>
@@ -349,7 +349,7 @@
           <p:cNvPr id="2" name="标题 1">
             <a:extLst>
               <a:ext uri="{FF2B5EF4-FFF2-40B4-BE49-F238E27FC236}">
-                <a16:creationId xmlns:a16="http://schemas.microsoft.com/office/drawing/2014/main" id="{EE6A3795-E78B-63F7-CD51-F38B0FE41AF1}"/>
+                <a16:creationId xmlns:a16="http://schemas.microsoft.com/office/drawing/2014/main" id="{A0BF84E2-85E3-FB00-B300-3679920D1CB1}"/>
               </a:ext>
             </a:extLst>
           </p:cNvPr>
@@ -377,7 +377,7 @@
           <p:cNvPr id="3" name="竖排文字占位符 2">
             <a:extLst>
               <a:ext uri="{FF2B5EF4-FFF2-40B4-BE49-F238E27FC236}">
-                <a16:creationId xmlns:a16="http://schemas.microsoft.com/office/drawing/2014/main" id="{5F406D67-6017-34B4-E017-96C6D897BE28}"/>
+                <a16:creationId xmlns:a16="http://schemas.microsoft.com/office/drawing/2014/main" id="{CD87544A-24BA-7522-6DBE-6B032C3235B0}"/>
               </a:ext>
             </a:extLst>
           </p:cNvPr>
@@ -434,7 +434,7 @@
           <p:cNvPr id="4" name="日期占位符 3">
             <a:extLst>
               <a:ext uri="{FF2B5EF4-FFF2-40B4-BE49-F238E27FC236}">
-                <a16:creationId xmlns:a16="http://schemas.microsoft.com/office/drawing/2014/main" id="{D25E82BE-077C-5B1E-C3DA-8116CDADAA93}"/>
+                <a16:creationId xmlns:a16="http://schemas.microsoft.com/office/drawing/2014/main" id="{8C024B49-EAFE-FE18-1837-046451E54095}"/>
               </a:ext>
             </a:extLst>
           </p:cNvPr>
@@ -450,7 +450,7 @@
           <a:bodyPr/>
           <a:lstStyle/>
           <a:p>
-            <a:fld id="{51FB285F-E31E-4627-870A-A18FCAFBDFE8}" type="datetimeFigureOut">
+            <a:fld id="{16129ED3-6994-4D15-B890-D4409A7672D2}" type="datetimeFigureOut">
               <a:rPr lang="zh-CN" altLang="en-US" smtClean="0"/>
               <a:t>2024/3/10</a:t>
             </a:fld>
@@ -463,7 +463,7 @@
           <p:cNvPr id="5" name="页脚占位符 4">
             <a:extLst>
               <a:ext uri="{FF2B5EF4-FFF2-40B4-BE49-F238E27FC236}">
-                <a16:creationId xmlns:a16="http://schemas.microsoft.com/office/drawing/2014/main" id="{79CD0856-8864-2EAA-993A-C4FF9ECE4C26}"/>
+                <a16:creationId xmlns:a16="http://schemas.microsoft.com/office/drawing/2014/main" id="{FFF6B89E-3579-05E9-D391-D3020857BEB0}"/>
               </a:ext>
             </a:extLst>
           </p:cNvPr>
@@ -488,7 +488,7 @@
           <p:cNvPr id="6" name="灯片编号占位符 5">
             <a:extLst>
               <a:ext uri="{FF2B5EF4-FFF2-40B4-BE49-F238E27FC236}">
-                <a16:creationId xmlns:a16="http://schemas.microsoft.com/office/drawing/2014/main" id="{AD1DC594-D94B-4AD5-B990-909AF2010771}"/>
+                <a16:creationId xmlns:a16="http://schemas.microsoft.com/office/drawing/2014/main" id="{1887C396-3B36-91BF-CE00-0A6F8BC993A4}"/>
               </a:ext>
             </a:extLst>
           </p:cNvPr>
@@ -504,7 +504,7 @@
           <a:bodyPr/>
           <a:lstStyle/>
           <a:p>
-            <a:fld id="{FE4276D2-4A52-4AA0-B049-C3D7345FF3A0}" type="slidenum">
+            <a:fld id="{C1DB5994-292B-4E1F-B1F9-61AF88E08CE6}" type="slidenum">
               <a:rPr lang="zh-CN" altLang="en-US" smtClean="0"/>
               <a:t>‹#›</a:t>
             </a:fld>
@@ -515,7 +515,7 @@
     </p:spTree>
     <p:extLst>
       <p:ext uri="{BB962C8B-B14F-4D97-AF65-F5344CB8AC3E}">
-        <p14:creationId xmlns:p14="http://schemas.microsoft.com/office/powerpoint/2010/main" val="3723862864"/>
+        <p14:creationId xmlns:p14="http://schemas.microsoft.com/office/powerpoint/2010/main" val="1803017254"/>
       </p:ext>
     </p:extLst>
   </p:cSld>
@@ -547,7 +547,7 @@
           <p:cNvPr id="2" name="竖排标题 1">
             <a:extLst>
               <a:ext uri="{FF2B5EF4-FFF2-40B4-BE49-F238E27FC236}">
-                <a16:creationId xmlns:a16="http://schemas.microsoft.com/office/drawing/2014/main" id="{3D5B35B9-FC52-5DC9-669D-5484DD23B7B8}"/>
+                <a16:creationId xmlns:a16="http://schemas.microsoft.com/office/drawing/2014/main" id="{F09C387F-3957-087A-6C5B-05920913E158}"/>
               </a:ext>
             </a:extLst>
           </p:cNvPr>
@@ -580,7 +580,7 @@
           <p:cNvPr id="3" name="竖排文字占位符 2">
             <a:extLst>
               <a:ext uri="{FF2B5EF4-FFF2-40B4-BE49-F238E27FC236}">
-                <a16:creationId xmlns:a16="http://schemas.microsoft.com/office/drawing/2014/main" id="{6D07F03A-CC47-7021-D599-BD4DF5031009}"/>
+                <a16:creationId xmlns:a16="http://schemas.microsoft.com/office/drawing/2014/main" id="{0E0DACC2-FE24-65DF-73C7-54F6EC099EB8}"/>
               </a:ext>
             </a:extLst>
           </p:cNvPr>
@@ -642,7 +642,7 @@
           <p:cNvPr id="4" name="日期占位符 3">
             <a:extLst>
               <a:ext uri="{FF2B5EF4-FFF2-40B4-BE49-F238E27FC236}">
-                <a16:creationId xmlns:a16="http://schemas.microsoft.com/office/drawing/2014/main" id="{4E5850AA-E149-8D45-6F96-8E2F39BC5A48}"/>
+                <a16:creationId xmlns:a16="http://schemas.microsoft.com/office/drawing/2014/main" id="{8C1E6932-27B8-BADB-A574-B6B2BF3914BB}"/>
               </a:ext>
             </a:extLst>
           </p:cNvPr>
@@ -658,7 +658,7 @@
           <a:bodyPr/>
           <a:lstStyle/>
           <a:p>
-            <a:fld id="{51FB285F-E31E-4627-870A-A18FCAFBDFE8}" type="datetimeFigureOut">
+            <a:fld id="{16129ED3-6994-4D15-B890-D4409A7672D2}" type="datetimeFigureOut">
               <a:rPr lang="zh-CN" altLang="en-US" smtClean="0"/>
               <a:t>2024/3/10</a:t>
             </a:fld>
@@ -671,7 +671,7 @@
           <p:cNvPr id="5" name="页脚占位符 4">
             <a:extLst>
               <a:ext uri="{FF2B5EF4-FFF2-40B4-BE49-F238E27FC236}">
-                <a16:creationId xmlns:a16="http://schemas.microsoft.com/office/drawing/2014/main" id="{BAFE6520-83A5-F78D-21A0-ED15EE282A53}"/>
+                <a16:creationId xmlns:a16="http://schemas.microsoft.com/office/drawing/2014/main" id="{558D1CFF-C298-9657-C194-1E4CC43C7084}"/>
               </a:ext>
             </a:extLst>
           </p:cNvPr>
@@ -696,7 +696,7 @@
           <p:cNvPr id="6" name="灯片编号占位符 5">
             <a:extLst>
               <a:ext uri="{FF2B5EF4-FFF2-40B4-BE49-F238E27FC236}">
-                <a16:creationId xmlns:a16="http://schemas.microsoft.com/office/drawing/2014/main" id="{7E0F0E5C-9E79-8D0E-FC5D-BA050EF73A39}"/>
+                <a16:creationId xmlns:a16="http://schemas.microsoft.com/office/drawing/2014/main" id="{60FDA4C5-6AE1-BC2E-A5E0-1ECA4A30CEC1}"/>
               </a:ext>
             </a:extLst>
           </p:cNvPr>
@@ -712,7 +712,7 @@
           <a:bodyPr/>
           <a:lstStyle/>
           <a:p>
-            <a:fld id="{FE4276D2-4A52-4AA0-B049-C3D7345FF3A0}" type="slidenum">
+            <a:fld id="{C1DB5994-292B-4E1F-B1F9-61AF88E08CE6}" type="slidenum">
               <a:rPr lang="zh-CN" altLang="en-US" smtClean="0"/>
               <a:t>‹#›</a:t>
             </a:fld>
@@ -723,7 +723,7 @@
     </p:spTree>
     <p:extLst>
       <p:ext uri="{BB962C8B-B14F-4D97-AF65-F5344CB8AC3E}">
-        <p14:creationId xmlns:p14="http://schemas.microsoft.com/office/powerpoint/2010/main" val="4102953738"/>
+        <p14:creationId xmlns:p14="http://schemas.microsoft.com/office/powerpoint/2010/main" val="3686995179"/>
       </p:ext>
     </p:extLst>
   </p:cSld>
@@ -755,7 +755,7 @@
           <p:cNvPr id="2" name="标题 1">
             <a:extLst>
               <a:ext uri="{FF2B5EF4-FFF2-40B4-BE49-F238E27FC236}">
-                <a16:creationId xmlns:a16="http://schemas.microsoft.com/office/drawing/2014/main" id="{B05D0166-8968-6C22-BE30-287F9A3F9E7B}"/>
+                <a16:creationId xmlns:a16="http://schemas.microsoft.com/office/drawing/2014/main" id="{CA03462D-8415-FA3B-4B70-06FCB8ED29BE}"/>
               </a:ext>
             </a:extLst>
           </p:cNvPr>
@@ -783,7 +783,7 @@
           <p:cNvPr id="3" name="内容占位符 2">
             <a:extLst>
               <a:ext uri="{FF2B5EF4-FFF2-40B4-BE49-F238E27FC236}">
-                <a16:creationId xmlns:a16="http://schemas.microsoft.com/office/drawing/2014/main" id="{32ABDE43-4986-F5AC-4DCB-ED5EA00F68AD}"/>
+                <a16:creationId xmlns:a16="http://schemas.microsoft.com/office/drawing/2014/main" id="{1D3984F1-F740-146C-69D8-6838C5D8C3EA}"/>
               </a:ext>
             </a:extLst>
           </p:cNvPr>
@@ -840,7 +840,7 @@
           <p:cNvPr id="4" name="日期占位符 3">
             <a:extLst>
               <a:ext uri="{FF2B5EF4-FFF2-40B4-BE49-F238E27FC236}">
-                <a16:creationId xmlns:a16="http://schemas.microsoft.com/office/drawing/2014/main" id="{753B3B73-78C4-2D39-A40C-4D09A246D6D0}"/>
+                <a16:creationId xmlns:a16="http://schemas.microsoft.com/office/drawing/2014/main" id="{18CE24B1-2C10-886C-0DF5-70D333B30A47}"/>
               </a:ext>
             </a:extLst>
           </p:cNvPr>
@@ -856,7 +856,7 @@
           <a:bodyPr/>
           <a:lstStyle/>
           <a:p>
-            <a:fld id="{51FB285F-E31E-4627-870A-A18FCAFBDFE8}" type="datetimeFigureOut">
+            <a:fld id="{16129ED3-6994-4D15-B890-D4409A7672D2}" type="datetimeFigureOut">
               <a:rPr lang="zh-CN" altLang="en-US" smtClean="0"/>
               <a:t>2024/3/10</a:t>
             </a:fld>
@@ -869,7 +869,7 @@
           <p:cNvPr id="5" name="页脚占位符 4">
             <a:extLst>
               <a:ext uri="{FF2B5EF4-FFF2-40B4-BE49-F238E27FC236}">
-                <a16:creationId xmlns:a16="http://schemas.microsoft.com/office/drawing/2014/main" id="{7E4D3735-D411-6205-3D71-0A04E2F8221B}"/>
+                <a16:creationId xmlns:a16="http://schemas.microsoft.com/office/drawing/2014/main" id="{0AFCABD9-7991-CBF1-8FA1-399A2F970E8A}"/>
               </a:ext>
             </a:extLst>
           </p:cNvPr>
@@ -894,7 +894,7 @@
           <p:cNvPr id="6" name="灯片编号占位符 5">
             <a:extLst>
               <a:ext uri="{FF2B5EF4-FFF2-40B4-BE49-F238E27FC236}">
-                <a16:creationId xmlns:a16="http://schemas.microsoft.com/office/drawing/2014/main" id="{FAA4CA54-C1D6-B22D-5C8B-1108FE6F610A}"/>
+                <a16:creationId xmlns:a16="http://schemas.microsoft.com/office/drawing/2014/main" id="{AF5AC25A-88D1-9D4F-6264-6E10D6888618}"/>
               </a:ext>
             </a:extLst>
           </p:cNvPr>
@@ -910,7 +910,7 @@
           <a:bodyPr/>
           <a:lstStyle/>
           <a:p>
-            <a:fld id="{FE4276D2-4A52-4AA0-B049-C3D7345FF3A0}" type="slidenum">
+            <a:fld id="{C1DB5994-292B-4E1F-B1F9-61AF88E08CE6}" type="slidenum">
               <a:rPr lang="zh-CN" altLang="en-US" smtClean="0"/>
               <a:t>‹#›</a:t>
             </a:fld>
@@ -921,7 +921,7 @@
     </p:spTree>
     <p:extLst>
       <p:ext uri="{BB962C8B-B14F-4D97-AF65-F5344CB8AC3E}">
-        <p14:creationId xmlns:p14="http://schemas.microsoft.com/office/powerpoint/2010/main" val="4260601879"/>
+        <p14:creationId xmlns:p14="http://schemas.microsoft.com/office/powerpoint/2010/main" val="2981604455"/>
       </p:ext>
     </p:extLst>
   </p:cSld>
@@ -953,7 +953,7 @@
           <p:cNvPr id="2" name="标题 1">
             <a:extLst>
               <a:ext uri="{FF2B5EF4-FFF2-40B4-BE49-F238E27FC236}">
-                <a16:creationId xmlns:a16="http://schemas.microsoft.com/office/drawing/2014/main" id="{8CC952FC-F391-5564-9F43-29A78B2E2CE4}"/>
+                <a16:creationId xmlns:a16="http://schemas.microsoft.com/office/drawing/2014/main" id="{7E3BCB3D-76B7-9477-39F4-FF9B08BBE4EC}"/>
               </a:ext>
             </a:extLst>
           </p:cNvPr>
@@ -990,7 +990,7 @@
           <p:cNvPr id="3" name="文本占位符 2">
             <a:extLst>
               <a:ext uri="{FF2B5EF4-FFF2-40B4-BE49-F238E27FC236}">
-                <a16:creationId xmlns:a16="http://schemas.microsoft.com/office/drawing/2014/main" id="{1B05D8EE-50D4-8A9F-97AE-076FACBC94E1}"/>
+                <a16:creationId xmlns:a16="http://schemas.microsoft.com/office/drawing/2014/main" id="{735513AF-A316-6390-B839-FE8ECBBE99DD}"/>
               </a:ext>
             </a:extLst>
           </p:cNvPr>
@@ -1115,7 +1115,7 @@
           <p:cNvPr id="4" name="日期占位符 3">
             <a:extLst>
               <a:ext uri="{FF2B5EF4-FFF2-40B4-BE49-F238E27FC236}">
-                <a16:creationId xmlns:a16="http://schemas.microsoft.com/office/drawing/2014/main" id="{1CF73D8F-F306-FB7A-BEE3-8263841EA475}"/>
+                <a16:creationId xmlns:a16="http://schemas.microsoft.com/office/drawing/2014/main" id="{A4E7A4B0-80FA-1C9F-6341-BE0F5A5726D7}"/>
               </a:ext>
             </a:extLst>
           </p:cNvPr>
@@ -1131,7 +1131,7 @@
           <a:bodyPr/>
           <a:lstStyle/>
           <a:p>
-            <a:fld id="{51FB285F-E31E-4627-870A-A18FCAFBDFE8}" type="datetimeFigureOut">
+            <a:fld id="{16129ED3-6994-4D15-B890-D4409A7672D2}" type="datetimeFigureOut">
               <a:rPr lang="zh-CN" altLang="en-US" smtClean="0"/>
               <a:t>2024/3/10</a:t>
             </a:fld>
@@ -1144,7 +1144,7 @@
           <p:cNvPr id="5" name="页脚占位符 4">
             <a:extLst>
               <a:ext uri="{FF2B5EF4-FFF2-40B4-BE49-F238E27FC236}">
-                <a16:creationId xmlns:a16="http://schemas.microsoft.com/office/drawing/2014/main" id="{184FEBE7-9D02-55AE-C233-518D0C147330}"/>
+                <a16:creationId xmlns:a16="http://schemas.microsoft.com/office/drawing/2014/main" id="{7B86437A-0322-32CF-FFEB-F71E13985C2D}"/>
               </a:ext>
             </a:extLst>
           </p:cNvPr>
@@ -1169,7 +1169,7 @@
           <p:cNvPr id="6" name="灯片编号占位符 5">
             <a:extLst>
               <a:ext uri="{FF2B5EF4-FFF2-40B4-BE49-F238E27FC236}">
-                <a16:creationId xmlns:a16="http://schemas.microsoft.com/office/drawing/2014/main" id="{960EA742-7217-806A-A269-32A5AC8B1925}"/>
+                <a16:creationId xmlns:a16="http://schemas.microsoft.com/office/drawing/2014/main" id="{17A9B357-320A-9225-6554-0CFEEB8F79DD}"/>
               </a:ext>
             </a:extLst>
           </p:cNvPr>
@@ -1185,7 +1185,7 @@
           <a:bodyPr/>
           <a:lstStyle/>
           <a:p>
-            <a:fld id="{FE4276D2-4A52-4AA0-B049-C3D7345FF3A0}" type="slidenum">
+            <a:fld id="{C1DB5994-292B-4E1F-B1F9-61AF88E08CE6}" type="slidenum">
               <a:rPr lang="zh-CN" altLang="en-US" smtClean="0"/>
               <a:t>‹#›</a:t>
             </a:fld>
@@ -1196,7 +1196,7 @@
     </p:spTree>
     <p:extLst>
       <p:ext uri="{BB962C8B-B14F-4D97-AF65-F5344CB8AC3E}">
-        <p14:creationId xmlns:p14="http://schemas.microsoft.com/office/powerpoint/2010/main" val="3413012305"/>
+        <p14:creationId xmlns:p14="http://schemas.microsoft.com/office/powerpoint/2010/main" val="3854601315"/>
       </p:ext>
     </p:extLst>
   </p:cSld>
@@ -1228,7 +1228,7 @@
           <p:cNvPr id="2" name="标题 1">
             <a:extLst>
               <a:ext uri="{FF2B5EF4-FFF2-40B4-BE49-F238E27FC236}">
-                <a16:creationId xmlns:a16="http://schemas.microsoft.com/office/drawing/2014/main" id="{72AAD5E3-D4E1-A6BF-A6FE-9F1632558527}"/>
+                <a16:creationId xmlns:a16="http://schemas.microsoft.com/office/drawing/2014/main" id="{62C95537-B766-E858-C8FD-5D0C468DB183}"/>
               </a:ext>
             </a:extLst>
           </p:cNvPr>
@@ -1256,7 +1256,7 @@
           <p:cNvPr id="3" name="内容占位符 2">
             <a:extLst>
               <a:ext uri="{FF2B5EF4-FFF2-40B4-BE49-F238E27FC236}">
-                <a16:creationId xmlns:a16="http://schemas.microsoft.com/office/drawing/2014/main" id="{F2194640-8A67-1DBF-2C35-6A72BFE9CBE9}"/>
+                <a16:creationId xmlns:a16="http://schemas.microsoft.com/office/drawing/2014/main" id="{4A0AA50F-A0FC-072D-9185-55E67B44F014}"/>
               </a:ext>
             </a:extLst>
           </p:cNvPr>
@@ -1318,7 +1318,7 @@
           <p:cNvPr id="4" name="内容占位符 3">
             <a:extLst>
               <a:ext uri="{FF2B5EF4-FFF2-40B4-BE49-F238E27FC236}">
-                <a16:creationId xmlns:a16="http://schemas.microsoft.com/office/drawing/2014/main" id="{0A4D81E2-74B2-4207-ADE4-2802B4513924}"/>
+                <a16:creationId xmlns:a16="http://schemas.microsoft.com/office/drawing/2014/main" id="{A3208D6F-0C88-10BF-B648-7819F6CC7877}"/>
               </a:ext>
             </a:extLst>
           </p:cNvPr>
@@ -1380,7 +1380,7 @@
           <p:cNvPr id="5" name="日期占位符 4">
             <a:extLst>
               <a:ext uri="{FF2B5EF4-FFF2-40B4-BE49-F238E27FC236}">
-                <a16:creationId xmlns:a16="http://schemas.microsoft.com/office/drawing/2014/main" id="{E92A2FFE-D4A7-C83A-99CA-26A5C59D9B7D}"/>
+                <a16:creationId xmlns:a16="http://schemas.microsoft.com/office/drawing/2014/main" id="{586951D2-3F92-83E3-D7A5-DF71BF08A2FD}"/>
               </a:ext>
             </a:extLst>
           </p:cNvPr>
@@ -1396,7 +1396,7 @@
           <a:bodyPr/>
           <a:lstStyle/>
           <a:p>
-            <a:fld id="{51FB285F-E31E-4627-870A-A18FCAFBDFE8}" type="datetimeFigureOut">
+            <a:fld id="{16129ED3-6994-4D15-B890-D4409A7672D2}" type="datetimeFigureOut">
               <a:rPr lang="zh-CN" altLang="en-US" smtClean="0"/>
               <a:t>2024/3/10</a:t>
             </a:fld>
@@ -1409,7 +1409,7 @@
           <p:cNvPr id="6" name="页脚占位符 5">
             <a:extLst>
               <a:ext uri="{FF2B5EF4-FFF2-40B4-BE49-F238E27FC236}">
-                <a16:creationId xmlns:a16="http://schemas.microsoft.com/office/drawing/2014/main" id="{3286D91F-99E3-FBE9-7C5E-C5D0E949166C}"/>
+                <a16:creationId xmlns:a16="http://schemas.microsoft.com/office/drawing/2014/main" id="{E1F98BD4-4F93-2FD7-B9CB-918142ED4E05}"/>
               </a:ext>
             </a:extLst>
           </p:cNvPr>
@@ -1434,7 +1434,7 @@
           <p:cNvPr id="7" name="灯片编号占位符 6">
             <a:extLst>
               <a:ext uri="{FF2B5EF4-FFF2-40B4-BE49-F238E27FC236}">
-                <a16:creationId xmlns:a16="http://schemas.microsoft.com/office/drawing/2014/main" id="{90DD44FF-9E72-0EA0-14D4-173E90BD8F71}"/>
+                <a16:creationId xmlns:a16="http://schemas.microsoft.com/office/drawing/2014/main" id="{2618AAAC-C4ED-97A2-E674-71FC92298FFB}"/>
               </a:ext>
             </a:extLst>
           </p:cNvPr>
@@ -1450,7 +1450,7 @@
           <a:bodyPr/>
           <a:lstStyle/>
           <a:p>
-            <a:fld id="{FE4276D2-4A52-4AA0-B049-C3D7345FF3A0}" type="slidenum">
+            <a:fld id="{C1DB5994-292B-4E1F-B1F9-61AF88E08CE6}" type="slidenum">
               <a:rPr lang="zh-CN" altLang="en-US" smtClean="0"/>
               <a:t>‹#›</a:t>
             </a:fld>
@@ -1461,7 +1461,7 @@
     </p:spTree>
     <p:extLst>
       <p:ext uri="{BB962C8B-B14F-4D97-AF65-F5344CB8AC3E}">
-        <p14:creationId xmlns:p14="http://schemas.microsoft.com/office/powerpoint/2010/main" val="2508478036"/>
+        <p14:creationId xmlns:p14="http://schemas.microsoft.com/office/powerpoint/2010/main" val="3472298237"/>
       </p:ext>
     </p:extLst>
   </p:cSld>
@@ -1493,7 +1493,7 @@
           <p:cNvPr id="2" name="标题 1">
             <a:extLst>
               <a:ext uri="{FF2B5EF4-FFF2-40B4-BE49-F238E27FC236}">
-                <a16:creationId xmlns:a16="http://schemas.microsoft.com/office/drawing/2014/main" id="{80F31535-CFB3-6DA1-3308-0CD0F4BAC715}"/>
+                <a16:creationId xmlns:a16="http://schemas.microsoft.com/office/drawing/2014/main" id="{0EEBDB59-F316-1D0D-C15B-09C0B59AC061}"/>
               </a:ext>
             </a:extLst>
           </p:cNvPr>
@@ -1526,7 +1526,7 @@
           <p:cNvPr id="3" name="文本占位符 2">
             <a:extLst>
               <a:ext uri="{FF2B5EF4-FFF2-40B4-BE49-F238E27FC236}">
-                <a16:creationId xmlns:a16="http://schemas.microsoft.com/office/drawing/2014/main" id="{8A0C9B3D-56F1-1734-3630-65A07B6C47E3}"/>
+                <a16:creationId xmlns:a16="http://schemas.microsoft.com/office/drawing/2014/main" id="{1D5849CC-84A6-C29F-919A-6F51FDC9AFAF}"/>
               </a:ext>
             </a:extLst>
           </p:cNvPr>
@@ -1597,7 +1597,7 @@
           <p:cNvPr id="4" name="内容占位符 3">
             <a:extLst>
               <a:ext uri="{FF2B5EF4-FFF2-40B4-BE49-F238E27FC236}">
-                <a16:creationId xmlns:a16="http://schemas.microsoft.com/office/drawing/2014/main" id="{C062E07A-DE82-F1A2-3BA5-8251A6CE144F}"/>
+                <a16:creationId xmlns:a16="http://schemas.microsoft.com/office/drawing/2014/main" id="{35C73452-B6F9-90AF-A7CA-0B85BAB16F64}"/>
               </a:ext>
             </a:extLst>
           </p:cNvPr>
@@ -1659,7 +1659,7 @@
           <p:cNvPr id="5" name="文本占位符 4">
             <a:extLst>
               <a:ext uri="{FF2B5EF4-FFF2-40B4-BE49-F238E27FC236}">
-                <a16:creationId xmlns:a16="http://schemas.microsoft.com/office/drawing/2014/main" id="{AD0A8B2A-990F-F7AE-F8D8-6F04B039CF09}"/>
+                <a16:creationId xmlns:a16="http://schemas.microsoft.com/office/drawing/2014/main" id="{E6A0B765-50CA-E28A-2297-837CE03BE4A1}"/>
               </a:ext>
             </a:extLst>
           </p:cNvPr>
@@ -1730,7 +1730,7 @@
           <p:cNvPr id="6" name="内容占位符 5">
             <a:extLst>
               <a:ext uri="{FF2B5EF4-FFF2-40B4-BE49-F238E27FC236}">
-                <a16:creationId xmlns:a16="http://schemas.microsoft.com/office/drawing/2014/main" id="{873A920D-4EE7-1A55-FCB2-F7DDD3C6F95B}"/>
+                <a16:creationId xmlns:a16="http://schemas.microsoft.com/office/drawing/2014/main" id="{AE3617C4-108A-CCD7-B3A8-847B95F6DFB3}"/>
               </a:ext>
             </a:extLst>
           </p:cNvPr>
@@ -1792,7 +1792,7 @@
           <p:cNvPr id="7" name="日期占位符 6">
             <a:extLst>
               <a:ext uri="{FF2B5EF4-FFF2-40B4-BE49-F238E27FC236}">
-                <a16:creationId xmlns:a16="http://schemas.microsoft.com/office/drawing/2014/main" id="{26AAE88F-048F-4645-FF80-374AB15F4110}"/>
+                <a16:creationId xmlns:a16="http://schemas.microsoft.com/office/drawing/2014/main" id="{2781AC00-97A3-544F-8044-1995AF0571C6}"/>
               </a:ext>
             </a:extLst>
           </p:cNvPr>
@@ -1808,7 +1808,7 @@
           <a:bodyPr/>
           <a:lstStyle/>
           <a:p>
-            <a:fld id="{51FB285F-E31E-4627-870A-A18FCAFBDFE8}" type="datetimeFigureOut">
+            <a:fld id="{16129ED3-6994-4D15-B890-D4409A7672D2}" type="datetimeFigureOut">
               <a:rPr lang="zh-CN" altLang="en-US" smtClean="0"/>
               <a:t>2024/3/10</a:t>
             </a:fld>
@@ -1821,7 +1821,7 @@
           <p:cNvPr id="8" name="页脚占位符 7">
             <a:extLst>
               <a:ext uri="{FF2B5EF4-FFF2-40B4-BE49-F238E27FC236}">
-                <a16:creationId xmlns:a16="http://schemas.microsoft.com/office/drawing/2014/main" id="{9D529437-1353-BE0E-1BB6-A128C7266EFB}"/>
+                <a16:creationId xmlns:a16="http://schemas.microsoft.com/office/drawing/2014/main" id="{06C0A457-6576-B59B-140F-481E8ACE3126}"/>
               </a:ext>
             </a:extLst>
           </p:cNvPr>
@@ -1846,7 +1846,7 @@
           <p:cNvPr id="9" name="灯片编号占位符 8">
             <a:extLst>
               <a:ext uri="{FF2B5EF4-FFF2-40B4-BE49-F238E27FC236}">
-                <a16:creationId xmlns:a16="http://schemas.microsoft.com/office/drawing/2014/main" id="{459D724E-6557-E72C-49D5-391E274ADE89}"/>
+                <a16:creationId xmlns:a16="http://schemas.microsoft.com/office/drawing/2014/main" id="{E9F8D236-1D65-A897-BA91-83880A24B2EE}"/>
               </a:ext>
             </a:extLst>
           </p:cNvPr>
@@ -1862,7 +1862,7 @@
           <a:bodyPr/>
           <a:lstStyle/>
           <a:p>
-            <a:fld id="{FE4276D2-4A52-4AA0-B049-C3D7345FF3A0}" type="slidenum">
+            <a:fld id="{C1DB5994-292B-4E1F-B1F9-61AF88E08CE6}" type="slidenum">
               <a:rPr lang="zh-CN" altLang="en-US" smtClean="0"/>
               <a:t>‹#›</a:t>
             </a:fld>
@@ -1873,7 +1873,7 @@
     </p:spTree>
     <p:extLst>
       <p:ext uri="{BB962C8B-B14F-4D97-AF65-F5344CB8AC3E}">
-        <p14:creationId xmlns:p14="http://schemas.microsoft.com/office/powerpoint/2010/main" val="2180131849"/>
+        <p14:creationId xmlns:p14="http://schemas.microsoft.com/office/powerpoint/2010/main" val="2753041233"/>
       </p:ext>
     </p:extLst>
   </p:cSld>
@@ -1905,7 +1905,7 @@
           <p:cNvPr id="2" name="标题 1">
             <a:extLst>
               <a:ext uri="{FF2B5EF4-FFF2-40B4-BE49-F238E27FC236}">
-                <a16:creationId xmlns:a16="http://schemas.microsoft.com/office/drawing/2014/main" id="{B08199E3-E03F-D06C-39CF-E253EA688613}"/>
+                <a16:creationId xmlns:a16="http://schemas.microsoft.com/office/drawing/2014/main" id="{594408F6-A89A-FAF1-5C71-5CA2B1FFD3F4}"/>
               </a:ext>
             </a:extLst>
           </p:cNvPr>
@@ -1933,7 +1933,7 @@
           <p:cNvPr id="3" name="日期占位符 2">
             <a:extLst>
               <a:ext uri="{FF2B5EF4-FFF2-40B4-BE49-F238E27FC236}">
-                <a16:creationId xmlns:a16="http://schemas.microsoft.com/office/drawing/2014/main" id="{35723F6E-6E3B-8DD1-AE9D-149C4CED11A7}"/>
+                <a16:creationId xmlns:a16="http://schemas.microsoft.com/office/drawing/2014/main" id="{413385BD-1997-6F9A-E333-C98A396AC3B4}"/>
               </a:ext>
             </a:extLst>
           </p:cNvPr>
@@ -1949,7 +1949,7 @@
           <a:bodyPr/>
           <a:lstStyle/>
           <a:p>
-            <a:fld id="{51FB285F-E31E-4627-870A-A18FCAFBDFE8}" type="datetimeFigureOut">
+            <a:fld id="{16129ED3-6994-4D15-B890-D4409A7672D2}" type="datetimeFigureOut">
               <a:rPr lang="zh-CN" altLang="en-US" smtClean="0"/>
               <a:t>2024/3/10</a:t>
             </a:fld>
@@ -1962,7 +1962,7 @@
           <p:cNvPr id="4" name="页脚占位符 3">
             <a:extLst>
               <a:ext uri="{FF2B5EF4-FFF2-40B4-BE49-F238E27FC236}">
-                <a16:creationId xmlns:a16="http://schemas.microsoft.com/office/drawing/2014/main" id="{FF7F6346-5AF6-D72A-4C2A-37D82DDE8E18}"/>
+                <a16:creationId xmlns:a16="http://schemas.microsoft.com/office/drawing/2014/main" id="{C02B51C2-5A63-AE94-D7EA-D8D8D59CF3AE}"/>
               </a:ext>
             </a:extLst>
           </p:cNvPr>
@@ -1987,7 +1987,7 @@
           <p:cNvPr id="5" name="灯片编号占位符 4">
             <a:extLst>
               <a:ext uri="{FF2B5EF4-FFF2-40B4-BE49-F238E27FC236}">
-                <a16:creationId xmlns:a16="http://schemas.microsoft.com/office/drawing/2014/main" id="{D71E83D5-D093-9194-2F73-E22EA0A9F8F5}"/>
+                <a16:creationId xmlns:a16="http://schemas.microsoft.com/office/drawing/2014/main" id="{4C059200-645A-7AB6-9882-DE7D78CB880C}"/>
               </a:ext>
             </a:extLst>
           </p:cNvPr>
@@ -2003,7 +2003,7 @@
           <a:bodyPr/>
           <a:lstStyle/>
           <a:p>
-            <a:fld id="{FE4276D2-4A52-4AA0-B049-C3D7345FF3A0}" type="slidenum">
+            <a:fld id="{C1DB5994-292B-4E1F-B1F9-61AF88E08CE6}" type="slidenum">
               <a:rPr lang="zh-CN" altLang="en-US" smtClean="0"/>
               <a:t>‹#›</a:t>
             </a:fld>
@@ -2014,7 +2014,7 @@
     </p:spTree>
     <p:extLst>
       <p:ext uri="{BB962C8B-B14F-4D97-AF65-F5344CB8AC3E}">
-        <p14:creationId xmlns:p14="http://schemas.microsoft.com/office/powerpoint/2010/main" val="2874973369"/>
+        <p14:creationId xmlns:p14="http://schemas.microsoft.com/office/powerpoint/2010/main" val="815148625"/>
       </p:ext>
     </p:extLst>
   </p:cSld>
@@ -2046,7 +2046,7 @@
           <p:cNvPr id="2" name="日期占位符 1">
             <a:extLst>
               <a:ext uri="{FF2B5EF4-FFF2-40B4-BE49-F238E27FC236}">
-                <a16:creationId xmlns:a16="http://schemas.microsoft.com/office/drawing/2014/main" id="{588EC74F-F00E-37E0-C1D6-9BE22B107A59}"/>
+                <a16:creationId xmlns:a16="http://schemas.microsoft.com/office/drawing/2014/main" id="{57CAEB5C-5306-423D-675C-8501CFD0FDDD}"/>
               </a:ext>
             </a:extLst>
           </p:cNvPr>
@@ -2062,7 +2062,7 @@
           <a:bodyPr/>
           <a:lstStyle/>
           <a:p>
-            <a:fld id="{51FB285F-E31E-4627-870A-A18FCAFBDFE8}" type="datetimeFigureOut">
+            <a:fld id="{16129ED3-6994-4D15-B890-D4409A7672D2}" type="datetimeFigureOut">
               <a:rPr lang="zh-CN" altLang="en-US" smtClean="0"/>
               <a:t>2024/3/10</a:t>
             </a:fld>
@@ -2075,7 +2075,7 @@
           <p:cNvPr id="3" name="页脚占位符 2">
             <a:extLst>
               <a:ext uri="{FF2B5EF4-FFF2-40B4-BE49-F238E27FC236}">
-                <a16:creationId xmlns:a16="http://schemas.microsoft.com/office/drawing/2014/main" id="{4EA38CB3-5390-A1C1-71DA-D64E478EB1DC}"/>
+                <a16:creationId xmlns:a16="http://schemas.microsoft.com/office/drawing/2014/main" id="{C7DDB5B3-2A4D-1674-E10B-C896C0C8C864}"/>
               </a:ext>
             </a:extLst>
           </p:cNvPr>
@@ -2100,7 +2100,7 @@
           <p:cNvPr id="4" name="灯片编号占位符 3">
             <a:extLst>
               <a:ext uri="{FF2B5EF4-FFF2-40B4-BE49-F238E27FC236}">
-                <a16:creationId xmlns:a16="http://schemas.microsoft.com/office/drawing/2014/main" id="{84AF2579-3EDD-8C57-7EDC-B0A294840B3F}"/>
+                <a16:creationId xmlns:a16="http://schemas.microsoft.com/office/drawing/2014/main" id="{321291E5-9E3E-218B-8AEC-376EE0E4DD78}"/>
               </a:ext>
             </a:extLst>
           </p:cNvPr>
@@ -2116,7 +2116,7 @@
           <a:bodyPr/>
           <a:lstStyle/>
           <a:p>
-            <a:fld id="{FE4276D2-4A52-4AA0-B049-C3D7345FF3A0}" type="slidenum">
+            <a:fld id="{C1DB5994-292B-4E1F-B1F9-61AF88E08CE6}" type="slidenum">
               <a:rPr lang="zh-CN" altLang="en-US" smtClean="0"/>
               <a:t>‹#›</a:t>
             </a:fld>
@@ -2127,7 +2127,7 @@
     </p:spTree>
     <p:extLst>
       <p:ext uri="{BB962C8B-B14F-4D97-AF65-F5344CB8AC3E}">
-        <p14:creationId xmlns:p14="http://schemas.microsoft.com/office/powerpoint/2010/main" val="1699419966"/>
+        <p14:creationId xmlns:p14="http://schemas.microsoft.com/office/powerpoint/2010/main" val="1521858999"/>
       </p:ext>
     </p:extLst>
   </p:cSld>
@@ -2159,7 +2159,7 @@
           <p:cNvPr id="2" name="标题 1">
             <a:extLst>
               <a:ext uri="{FF2B5EF4-FFF2-40B4-BE49-F238E27FC236}">
-                <a16:creationId xmlns:a16="http://schemas.microsoft.com/office/drawing/2014/main" id="{EEB04603-EEEE-A005-B4F4-62A1FACCA5CD}"/>
+                <a16:creationId xmlns:a16="http://schemas.microsoft.com/office/drawing/2014/main" id="{C687FFD5-DDC0-D038-7968-FDFB18B8A396}"/>
               </a:ext>
             </a:extLst>
           </p:cNvPr>
@@ -2196,7 +2196,7 @@
           <p:cNvPr id="3" name="内容占位符 2">
             <a:extLst>
               <a:ext uri="{FF2B5EF4-FFF2-40B4-BE49-F238E27FC236}">
-                <a16:creationId xmlns:a16="http://schemas.microsoft.com/office/drawing/2014/main" id="{B57744B4-F110-797A-7A0A-56DB40557E06}"/>
+                <a16:creationId xmlns:a16="http://schemas.microsoft.com/office/drawing/2014/main" id="{4945F2A3-53DC-9E62-40B0-3266FCC3ADA0}"/>
               </a:ext>
             </a:extLst>
           </p:cNvPr>
@@ -2286,7 +2286,7 @@
           <p:cNvPr id="4" name="文本占位符 3">
             <a:extLst>
               <a:ext uri="{FF2B5EF4-FFF2-40B4-BE49-F238E27FC236}">
-                <a16:creationId xmlns:a16="http://schemas.microsoft.com/office/drawing/2014/main" id="{5D6EE41E-AA05-EC4A-AE73-C1B23CF847DE}"/>
+                <a16:creationId xmlns:a16="http://schemas.microsoft.com/office/drawing/2014/main" id="{95D2A346-ADE5-1883-BAC9-B37AE25B23A6}"/>
               </a:ext>
             </a:extLst>
           </p:cNvPr>
@@ -2357,7 +2357,7 @@
           <p:cNvPr id="5" name="日期占位符 4">
             <a:extLst>
               <a:ext uri="{FF2B5EF4-FFF2-40B4-BE49-F238E27FC236}">
-                <a16:creationId xmlns:a16="http://schemas.microsoft.com/office/drawing/2014/main" id="{2C2160B2-0F99-FC9F-ED25-FC1B1A7BEF2B}"/>
+                <a16:creationId xmlns:a16="http://schemas.microsoft.com/office/drawing/2014/main" id="{92DF3385-632E-70CB-DBEE-05526414823E}"/>
               </a:ext>
             </a:extLst>
           </p:cNvPr>
@@ -2373,7 +2373,7 @@
           <a:bodyPr/>
           <a:lstStyle/>
           <a:p>
-            <a:fld id="{51FB285F-E31E-4627-870A-A18FCAFBDFE8}" type="datetimeFigureOut">
+            <a:fld id="{16129ED3-6994-4D15-B890-D4409A7672D2}" type="datetimeFigureOut">
               <a:rPr lang="zh-CN" altLang="en-US" smtClean="0"/>
               <a:t>2024/3/10</a:t>
             </a:fld>
@@ -2386,7 +2386,7 @@
           <p:cNvPr id="6" name="页脚占位符 5">
             <a:extLst>
               <a:ext uri="{FF2B5EF4-FFF2-40B4-BE49-F238E27FC236}">
-                <a16:creationId xmlns:a16="http://schemas.microsoft.com/office/drawing/2014/main" id="{FBF81482-8BD4-C84D-B2C2-9EB6941B6F72}"/>
+                <a16:creationId xmlns:a16="http://schemas.microsoft.com/office/drawing/2014/main" id="{DE7C9803-29E0-DF44-9438-A0821097EEFC}"/>
               </a:ext>
             </a:extLst>
           </p:cNvPr>
@@ -2411,7 +2411,7 @@
           <p:cNvPr id="7" name="灯片编号占位符 6">
             <a:extLst>
               <a:ext uri="{FF2B5EF4-FFF2-40B4-BE49-F238E27FC236}">
-                <a16:creationId xmlns:a16="http://schemas.microsoft.com/office/drawing/2014/main" id="{126DA818-B690-7BBB-C6B9-D3E5F22CE0FB}"/>
+                <a16:creationId xmlns:a16="http://schemas.microsoft.com/office/drawing/2014/main" id="{F5991590-2F76-5F26-3991-F34ED339F332}"/>
               </a:ext>
             </a:extLst>
           </p:cNvPr>
@@ -2427,7 +2427,7 @@
           <a:bodyPr/>
           <a:lstStyle/>
           <a:p>
-            <a:fld id="{FE4276D2-4A52-4AA0-B049-C3D7345FF3A0}" type="slidenum">
+            <a:fld id="{C1DB5994-292B-4E1F-B1F9-61AF88E08CE6}" type="slidenum">
               <a:rPr lang="zh-CN" altLang="en-US" smtClean="0"/>
               <a:t>‹#›</a:t>
             </a:fld>
@@ -2438,7 +2438,7 @@
     </p:spTree>
     <p:extLst>
       <p:ext uri="{BB962C8B-B14F-4D97-AF65-F5344CB8AC3E}">
-        <p14:creationId xmlns:p14="http://schemas.microsoft.com/office/powerpoint/2010/main" val="3101437788"/>
+        <p14:creationId xmlns:p14="http://schemas.microsoft.com/office/powerpoint/2010/main" val="1348792424"/>
       </p:ext>
     </p:extLst>
   </p:cSld>
@@ -2470,7 +2470,7 @@
           <p:cNvPr id="2" name="标题 1">
             <a:extLst>
               <a:ext uri="{FF2B5EF4-FFF2-40B4-BE49-F238E27FC236}">
-                <a16:creationId xmlns:a16="http://schemas.microsoft.com/office/drawing/2014/main" id="{508129B2-47CF-6B70-C6CA-F50126084513}"/>
+                <a16:creationId xmlns:a16="http://schemas.microsoft.com/office/drawing/2014/main" id="{8B416424-29FA-BC32-660F-6378F152FF6B}"/>
               </a:ext>
             </a:extLst>
           </p:cNvPr>
@@ -2507,7 +2507,7 @@
           <p:cNvPr id="3" name="图片占位符 2">
             <a:extLst>
               <a:ext uri="{FF2B5EF4-FFF2-40B4-BE49-F238E27FC236}">
-                <a16:creationId xmlns:a16="http://schemas.microsoft.com/office/drawing/2014/main" id="{C4D21CDB-BD20-C0BF-E7D2-59F08CE49043}"/>
+                <a16:creationId xmlns:a16="http://schemas.microsoft.com/office/drawing/2014/main" id="{32D97468-8B54-17D7-1CCD-92FE2372324F}"/>
               </a:ext>
             </a:extLst>
           </p:cNvPr>
@@ -2574,7 +2574,7 @@
           <p:cNvPr id="4" name="文本占位符 3">
             <a:extLst>
               <a:ext uri="{FF2B5EF4-FFF2-40B4-BE49-F238E27FC236}">
-                <a16:creationId xmlns:a16="http://schemas.microsoft.com/office/drawing/2014/main" id="{9899D590-D566-71CD-B594-0F73946DDB2A}"/>
+                <a16:creationId xmlns:a16="http://schemas.microsoft.com/office/drawing/2014/main" id="{B274CAF4-1434-E75E-0327-78E8286C88D7}"/>
               </a:ext>
             </a:extLst>
           </p:cNvPr>
@@ -2645,7 +2645,7 @@
           <p:cNvPr id="5" name="日期占位符 4">
             <a:extLst>
               <a:ext uri="{FF2B5EF4-FFF2-40B4-BE49-F238E27FC236}">
-                <a16:creationId xmlns:a16="http://schemas.microsoft.com/office/drawing/2014/main" id="{ED34AD12-FB47-704F-F07B-5D51D5A179A9}"/>
+                <a16:creationId xmlns:a16="http://schemas.microsoft.com/office/drawing/2014/main" id="{FD7C677D-5AD3-D17D-59D6-74999EE757BE}"/>
               </a:ext>
             </a:extLst>
           </p:cNvPr>
@@ -2661,7 +2661,7 @@
           <a:bodyPr/>
           <a:lstStyle/>
           <a:p>
-            <a:fld id="{51FB285F-E31E-4627-870A-A18FCAFBDFE8}" type="datetimeFigureOut">
+            <a:fld id="{16129ED3-6994-4D15-B890-D4409A7672D2}" type="datetimeFigureOut">
               <a:rPr lang="zh-CN" altLang="en-US" smtClean="0"/>
               <a:t>2024/3/10</a:t>
             </a:fld>
@@ -2674,7 +2674,7 @@
           <p:cNvPr id="6" name="页脚占位符 5">
             <a:extLst>
               <a:ext uri="{FF2B5EF4-FFF2-40B4-BE49-F238E27FC236}">
-                <a16:creationId xmlns:a16="http://schemas.microsoft.com/office/drawing/2014/main" id="{20197F70-4507-E977-52B0-78A1C283F0B8}"/>
+                <a16:creationId xmlns:a16="http://schemas.microsoft.com/office/drawing/2014/main" id="{83135AA1-010F-16E2-D952-F58D8FDDED3C}"/>
               </a:ext>
             </a:extLst>
           </p:cNvPr>
@@ -2699,7 +2699,7 @@
           <p:cNvPr id="7" name="灯片编号占位符 6">
             <a:extLst>
               <a:ext uri="{FF2B5EF4-FFF2-40B4-BE49-F238E27FC236}">
-                <a16:creationId xmlns:a16="http://schemas.microsoft.com/office/drawing/2014/main" id="{DD21210F-9D71-B368-3857-912DD85308F5}"/>
+                <a16:creationId xmlns:a16="http://schemas.microsoft.com/office/drawing/2014/main" id="{4B654B2D-0A22-4538-1168-316AA5217986}"/>
               </a:ext>
             </a:extLst>
           </p:cNvPr>
@@ -2715,7 +2715,7 @@
           <a:bodyPr/>
           <a:lstStyle/>
           <a:p>
-            <a:fld id="{FE4276D2-4A52-4AA0-B049-C3D7345FF3A0}" type="slidenum">
+            <a:fld id="{C1DB5994-292B-4E1F-B1F9-61AF88E08CE6}" type="slidenum">
               <a:rPr lang="zh-CN" altLang="en-US" smtClean="0"/>
               <a:t>‹#›</a:t>
             </a:fld>
@@ -2726,7 +2726,7 @@
     </p:spTree>
     <p:extLst>
       <p:ext uri="{BB962C8B-B14F-4D97-AF65-F5344CB8AC3E}">
-        <p14:creationId xmlns:p14="http://schemas.microsoft.com/office/powerpoint/2010/main" val="2918072874"/>
+        <p14:creationId xmlns:p14="http://schemas.microsoft.com/office/powerpoint/2010/main" val="1296148674"/>
       </p:ext>
     </p:extLst>
   </p:cSld>
@@ -2763,7 +2763,7 @@
           <p:cNvPr id="2" name="标题占位符 1">
             <a:extLst>
               <a:ext uri="{FF2B5EF4-FFF2-40B4-BE49-F238E27FC236}">
-                <a16:creationId xmlns:a16="http://schemas.microsoft.com/office/drawing/2014/main" id="{303A8B17-3B4D-ED2A-217E-92954D2F8CE8}"/>
+                <a16:creationId xmlns:a16="http://schemas.microsoft.com/office/drawing/2014/main" id="{50A93AC6-2C3F-EC14-E469-612083785572}"/>
               </a:ext>
             </a:extLst>
           </p:cNvPr>
@@ -2801,7 +2801,7 @@
           <p:cNvPr id="3" name="文本占位符 2">
             <a:extLst>
               <a:ext uri="{FF2B5EF4-FFF2-40B4-BE49-F238E27FC236}">
-                <a16:creationId xmlns:a16="http://schemas.microsoft.com/office/drawing/2014/main" id="{AD826B54-542E-A74F-07A0-9F5153B74010}"/>
+                <a16:creationId xmlns:a16="http://schemas.microsoft.com/office/drawing/2014/main" id="{B14F75C5-34CA-5A70-6966-D70AF244A1F7}"/>
               </a:ext>
             </a:extLst>
           </p:cNvPr>
@@ -2868,7 +2868,7 @@
           <p:cNvPr id="4" name="日期占位符 3">
             <a:extLst>
               <a:ext uri="{FF2B5EF4-FFF2-40B4-BE49-F238E27FC236}">
-                <a16:creationId xmlns:a16="http://schemas.microsoft.com/office/drawing/2014/main" id="{CF3CAAEE-6125-B335-9549-F58E09608D46}"/>
+                <a16:creationId xmlns:a16="http://schemas.microsoft.com/office/drawing/2014/main" id="{FE2D14B8-A8EC-4159-9D70-6735EF8299A2}"/>
               </a:ext>
             </a:extLst>
           </p:cNvPr>
@@ -2902,7 +2902,7 @@
             </a:lvl1pPr>
           </a:lstStyle>
           <a:p>
-            <a:fld id="{51FB285F-E31E-4627-870A-A18FCAFBDFE8}" type="datetimeFigureOut">
+            <a:fld id="{16129ED3-6994-4D15-B890-D4409A7672D2}" type="datetimeFigureOut">
               <a:rPr lang="zh-CN" altLang="en-US" smtClean="0"/>
               <a:t>2024/3/10</a:t>
             </a:fld>
@@ -2915,7 +2915,7 @@
           <p:cNvPr id="5" name="页脚占位符 4">
             <a:extLst>
               <a:ext uri="{FF2B5EF4-FFF2-40B4-BE49-F238E27FC236}">
-                <a16:creationId xmlns:a16="http://schemas.microsoft.com/office/drawing/2014/main" id="{EC9D1380-DD5F-9A3D-D46B-18CF7069F2F7}"/>
+                <a16:creationId xmlns:a16="http://schemas.microsoft.com/office/drawing/2014/main" id="{70E19A95-53ED-E683-CC18-8DFA5FA161F5}"/>
               </a:ext>
             </a:extLst>
           </p:cNvPr>
@@ -2958,7 +2958,7 @@
           <p:cNvPr id="6" name="灯片编号占位符 5">
             <a:extLst>
               <a:ext uri="{FF2B5EF4-FFF2-40B4-BE49-F238E27FC236}">
-                <a16:creationId xmlns:a16="http://schemas.microsoft.com/office/drawing/2014/main" id="{65013159-FC44-490A-EA3E-99185DFFFDEF}"/>
+                <a16:creationId xmlns:a16="http://schemas.microsoft.com/office/drawing/2014/main" id="{1C331293-0903-B5A3-1D8B-AD2D73BF459D}"/>
               </a:ext>
             </a:extLst>
           </p:cNvPr>
@@ -2992,7 +2992,7 @@
             </a:lvl1pPr>
           </a:lstStyle>
           <a:p>
-            <a:fld id="{FE4276D2-4A52-4AA0-B049-C3D7345FF3A0}" type="slidenum">
+            <a:fld id="{C1DB5994-292B-4E1F-B1F9-61AF88E08CE6}" type="slidenum">
               <a:rPr lang="zh-CN" altLang="en-US" smtClean="0"/>
               <a:t>‹#›</a:t>
             </a:fld>
@@ -3003,7 +3003,7 @@
     </p:spTree>
     <p:extLst>
       <p:ext uri="{BB962C8B-B14F-4D97-AF65-F5344CB8AC3E}">
-        <p14:creationId xmlns:p14="http://schemas.microsoft.com/office/powerpoint/2010/main" val="914876424"/>
+        <p14:creationId xmlns:p14="http://schemas.microsoft.com/office/powerpoint/2010/main" val="3734945295"/>
       </p:ext>
     </p:extLst>
   </p:cSld>
@@ -3323,7 +3323,7 @@
       </p:grpSpPr>
       <p:pic>
         <p:nvPicPr>
-          <p:cNvPr id="626690" name="Picture 2" descr="611"/>
+          <p:cNvPr id="627714" name="Picture 2" descr="612"/>
           <p:cNvPicPr>
             <a:picLocks noChangeAspect="1" noChangeArrowheads="1"/>
           </p:cNvPicPr>
@@ -3345,7 +3345,7 @@
         <p:spPr bwMode="auto">
           <a:xfrm>
             <a:off x="1524000" y="0"/>
-            <a:ext cx="9144000" cy="6597650"/>
+            <a:ext cx="9144000" cy="6858000"/>
           </a:xfrm>
           <a:prstGeom prst="rect">
             <a:avLst/>
@@ -3375,158 +3375,11 @@
           </a:extLst>
         </p:spPr>
       </p:pic>
-      <p:pic>
-        <p:nvPicPr>
-          <p:cNvPr id="627715" name="Picture 3" descr="611-2"/>
-          <p:cNvPicPr>
-            <a:picLocks noChangeAspect="1" noChangeArrowheads="1"/>
-          </p:cNvPicPr>
-          <p:nvPr/>
-        </p:nvPicPr>
-        <p:blipFill>
-          <a:blip r:embed="rId3">
-            <a:extLst>
-              <a:ext uri="{28A0092B-C50C-407E-A947-70E740481C1C}">
-                <a14:useLocalDpi xmlns:a14="http://schemas.microsoft.com/office/drawing/2010/main" val="0"/>
-              </a:ext>
-            </a:extLst>
-          </a:blip>
-          <a:srcRect/>
-          <a:stretch>
-            <a:fillRect/>
-          </a:stretch>
-        </p:blipFill>
-        <p:spPr bwMode="auto">
-          <a:xfrm>
-            <a:off x="1524000" y="1"/>
-            <a:ext cx="9144000" cy="6742113"/>
-          </a:xfrm>
-          <a:prstGeom prst="rect">
-            <a:avLst/>
-          </a:prstGeom>
-          <a:noFill/>
-          <a:ln>
-            <a:noFill/>
-          </a:ln>
-          <a:effectLst/>
-          <a:extLst>
-            <a:ext uri="{909E8E84-426E-40DD-AFC4-6F175D3DCCD1}">
-              <a14:hiddenFill xmlns:a14="http://schemas.microsoft.com/office/drawing/2010/main">
-                <a:solidFill>
-                  <a:srgbClr val="FFFFFF"/>
-                </a:solidFill>
-              </a14:hiddenFill>
-            </a:ext>
-            <a:ext uri="{91240B29-F687-4F45-9708-019B960494DF}">
-              <a14:hiddenLine xmlns:a14="http://schemas.microsoft.com/office/drawing/2010/main" w="9525">
-                <a:solidFill>
-                  <a:srgbClr val="000000"/>
-                </a:solidFill>
-                <a:miter lim="800000"/>
-                <a:headEnd/>
-                <a:tailEnd/>
-              </a14:hiddenLine>
-            </a:ext>
-            <a:ext uri="{AF507438-7753-43E0-B8FC-AC1667EBCBE1}">
-              <a14:hiddenEffects xmlns:a14="http://schemas.microsoft.com/office/drawing/2010/main">
-                <a:effectLst>
-                  <a:outerShdw dist="35921" dir="2700000" algn="ctr" rotWithShape="0">
-                    <a:srgbClr val="808080"/>
-                  </a:outerShdw>
-                </a:effectLst>
-              </a14:hiddenEffects>
-            </a:ext>
-          </a:extLst>
-        </p:spPr>
-      </p:pic>
     </p:spTree>
   </p:cSld>
   <p:clrMapOvr>
     <a:masterClrMapping/>
   </p:clrMapOvr>
-  <p:timing>
-    <p:tnLst>
-      <p:par>
-        <p:cTn id="1" dur="indefinite" restart="never" nodeType="tmRoot">
-          <p:childTnLst>
-            <p:seq concurrent="1" nextAc="seek">
-              <p:cTn id="2" dur="indefinite" nodeType="mainSeq">
-                <p:childTnLst>
-                  <p:par>
-                    <p:cTn id="3" fill="hold" nodeType="clickPar">
-                      <p:stCondLst>
-                        <p:cond delay="indefinite"/>
-                      </p:stCondLst>
-                      <p:childTnLst>
-                        <p:par>
-                          <p:cTn id="4" fill="hold" nodeType="withGroup">
-                            <p:stCondLst>
-                              <p:cond delay="0"/>
-                            </p:stCondLst>
-                            <p:childTnLst>
-                              <p:par>
-                                <p:cTn id="5" presetID="10" presetClass="entr" presetSubtype="0" fill="hold" nodeType="clickEffect">
-                                  <p:stCondLst>
-                                    <p:cond delay="0"/>
-                                  </p:stCondLst>
-                                  <p:childTnLst>
-                                    <p:set>
-                                      <p:cBhvr>
-                                        <p:cTn id="6" dur="1" fill="hold">
-                                          <p:stCondLst>
-                                            <p:cond delay="0"/>
-                                          </p:stCondLst>
-                                        </p:cTn>
-                                        <p:tgtEl>
-                                          <p:spTgt spid="627715"/>
-                                        </p:tgtEl>
-                                        <p:attrNameLst>
-                                          <p:attrName>style.visibility</p:attrName>
-                                        </p:attrNameLst>
-                                      </p:cBhvr>
-                                      <p:to>
-                                        <p:strVal val="visible"/>
-                                      </p:to>
-                                    </p:set>
-                                    <p:animEffect transition="in" filter="fade">
-                                      <p:cBhvr>
-                                        <p:cTn id="7" dur="500"/>
-                                        <p:tgtEl>
-                                          <p:spTgt spid="627715"/>
-                                        </p:tgtEl>
-                                      </p:cBhvr>
-                                    </p:animEffect>
-                                  </p:childTnLst>
-                                </p:cTn>
-                              </p:par>
-                            </p:childTnLst>
-                          </p:cTn>
-                        </p:par>
-                      </p:childTnLst>
-                    </p:cTn>
-                  </p:par>
-                </p:childTnLst>
-              </p:cTn>
-              <p:prevCondLst>
-                <p:cond evt="onPrev" delay="0">
-                  <p:tgtEl>
-                    <p:sldTgt/>
-                  </p:tgtEl>
-                </p:cond>
-              </p:prevCondLst>
-              <p:nextCondLst>
-                <p:cond evt="onNext" delay="0">
-                  <p:tgtEl>
-                    <p:sldTgt/>
-                  </p:tgtEl>
-                </p:cond>
-              </p:nextCondLst>
-            </p:seq>
-          </p:childTnLst>
-        </p:cTn>
-      </p:par>
-    </p:tnLst>
-  </p:timing>
 </p:sld>
 </file>
 
